--- a/11 - Offensive Security Tactics for Linux Professionals - Linux Post-Exploitation.pptx
+++ b/11 - Offensive Security Tactics for Linux Professionals - Linux Post-Exploitation.pptx
@@ -477,7 +477,7 @@
           <a:p>
             <a:fld id="{3CADBD16-5BFB-4D9F-9646-C75D1B53BBB6}" type="datetimeFigureOut">
               <a:rPr lang="en-US" smtClean="0"/>
-              <a:t>4/7/2022</a:t>
+              <a:t>4/10/2022</a:t>
             </a:fld>
             <a:endParaRPr lang="en-US"/>
           </a:p>
@@ -718,7 +718,7 @@
           <a:p>
             <a:fld id="{3CADBD16-5BFB-4D9F-9646-C75D1B53BBB6}" type="datetimeFigureOut">
               <a:rPr lang="en-US" smtClean="0"/>
-              <a:t>4/7/2022</a:t>
+              <a:t>4/10/2022</a:t>
             </a:fld>
             <a:endParaRPr lang="en-US"/>
           </a:p>
@@ -926,7 +926,7 @@
           <a:p>
             <a:fld id="{3CADBD16-5BFB-4D9F-9646-C75D1B53BBB6}" type="datetimeFigureOut">
               <a:rPr lang="en-US" smtClean="0"/>
-              <a:t>4/7/2022</a:t>
+              <a:t>4/10/2022</a:t>
             </a:fld>
             <a:endParaRPr lang="en-US"/>
           </a:p>
@@ -1124,7 +1124,7 @@
           <a:p>
             <a:fld id="{3CADBD16-5BFB-4D9F-9646-C75D1B53BBB6}" type="datetimeFigureOut">
               <a:rPr lang="en-US" smtClean="0"/>
-              <a:t>4/7/2022</a:t>
+              <a:t>4/10/2022</a:t>
             </a:fld>
             <a:endParaRPr lang="en-US"/>
           </a:p>
@@ -1401,7 +1401,7 @@
           <a:p>
             <a:fld id="{3CADBD16-5BFB-4D9F-9646-C75D1B53BBB6}" type="datetimeFigureOut">
               <a:rPr lang="en-US" smtClean="0"/>
-              <a:t>4/7/2022</a:t>
+              <a:t>4/10/2022</a:t>
             </a:fld>
             <a:endParaRPr lang="en-US"/>
           </a:p>
@@ -1666,7 +1666,7 @@
           <a:p>
             <a:fld id="{3CADBD16-5BFB-4D9F-9646-C75D1B53BBB6}" type="datetimeFigureOut">
               <a:rPr lang="en-US" smtClean="0"/>
-              <a:t>4/7/2022</a:t>
+              <a:t>4/10/2022</a:t>
             </a:fld>
             <a:endParaRPr lang="en-US"/>
           </a:p>
@@ -2082,7 +2082,7 @@
           <a:p>
             <a:fld id="{3CADBD16-5BFB-4D9F-9646-C75D1B53BBB6}" type="datetimeFigureOut">
               <a:rPr lang="en-US" smtClean="0"/>
-              <a:t>4/7/2022</a:t>
+              <a:t>4/10/2022</a:t>
             </a:fld>
             <a:endParaRPr lang="en-US"/>
           </a:p>
@@ -2232,7 +2232,7 @@
           <a:p>
             <a:fld id="{3CADBD16-5BFB-4D9F-9646-C75D1B53BBB6}" type="datetimeFigureOut">
               <a:rPr lang="en-US" smtClean="0"/>
-              <a:t>4/7/2022</a:t>
+              <a:t>4/10/2022</a:t>
             </a:fld>
             <a:endParaRPr lang="en-US"/>
           </a:p>
@@ -2345,7 +2345,7 @@
           <a:p>
             <a:fld id="{3CADBD16-5BFB-4D9F-9646-C75D1B53BBB6}" type="datetimeFigureOut">
               <a:rPr lang="en-US" smtClean="0"/>
-              <a:t>4/7/2022</a:t>
+              <a:t>4/10/2022</a:t>
             </a:fld>
             <a:endParaRPr lang="en-US"/>
           </a:p>
@@ -2661,7 +2661,7 @@
           <a:p>
             <a:fld id="{3CADBD16-5BFB-4D9F-9646-C75D1B53BBB6}" type="datetimeFigureOut">
               <a:rPr lang="en-US" smtClean="0"/>
-              <a:t>4/7/2022</a:t>
+              <a:t>4/10/2022</a:t>
             </a:fld>
             <a:endParaRPr lang="en-US"/>
           </a:p>
@@ -2912,7 +2912,7 @@
           <a:p>
             <a:fld id="{3CADBD16-5BFB-4D9F-9646-C75D1B53BBB6}" type="datetimeFigureOut">
               <a:rPr lang="en-US" smtClean="0"/>
-              <a:t>4/7/2022</a:t>
+              <a:t>4/10/2022</a:t>
             </a:fld>
             <a:endParaRPr lang="en-US"/>
           </a:p>
@@ -3421,7 +3421,7 @@
             <a:fld id="{3CADBD16-5BFB-4D9F-9646-C75D1B53BBB6}" type="datetimeFigureOut">
               <a:rPr lang="en-US" smtClean="0"/>
               <a:pPr/>
-              <a:t>4/7/2022</a:t>
+              <a:t>4/10/2022</a:t>
             </a:fld>
             <a:endParaRPr lang="en-US" dirty="0"/>
           </a:p>
@@ -6390,7 +6390,35 @@
           <a:p>
             <a:r>
               <a:rPr lang="en-GB" dirty="0"/>
-              <a:t>Demo: </a:t>
+              <a:t>Using base64 encoded cookies we exfiltrate our data to an attacker C&amp;C</a:t>
+            </a:r>
+          </a:p>
+          <a:p>
+            <a:endParaRPr lang="en-GB" dirty="0"/>
+          </a:p>
+          <a:p>
+            <a:r>
+              <a:rPr lang="en-GB" dirty="0"/>
+              <a:t>We can write our own exploit to do this and modify it to remain stealthy.</a:t>
+            </a:r>
+          </a:p>
+          <a:p>
+            <a:endParaRPr lang="en-GB" dirty="0"/>
+          </a:p>
+          <a:p>
+            <a:r>
+              <a:rPr lang="en-GB" dirty="0"/>
+              <a:t>Exploit code available at: </a:t>
+            </a:r>
+            <a:r>
+              <a:rPr lang="en-GB" dirty="0">
+                <a:hlinkClick r:id="rId2"/>
+              </a:rPr>
+              <a:t>https://github.com/aqeebhussain122/portninja/blob/master/code/exfiltration/cookie-exfil.py</a:t>
+            </a:r>
+            <a:r>
+              <a:rPr lang="en-GB" dirty="0"/>
+              <a:t> </a:t>
             </a:r>
           </a:p>
         </p:txBody>
@@ -7915,7 +7943,7 @@
       </p:grpSpPr>
       <p:sp useBgFill="1">
         <p:nvSpPr>
-          <p:cNvPr id="18" name="Rectangle 17">
+          <p:cNvPr id="25" name="Rectangle 24">
             <a:extLst>
               <a:ext uri="{FF2B5EF4-FFF2-40B4-BE49-F238E27FC236}">
                 <a16:creationId xmlns:a16="http://schemas.microsoft.com/office/drawing/2014/main" id="{685B57F6-59DE-4274-A37C-F47FE4E42EEF}"/>
@@ -7950,19 +7978,6 @@
             <a:miter lim="800000"/>
           </a:ln>
           <a:effectLst/>
-          <a:extLst>
-            <a:ext uri="{91240B29-F687-4F45-9708-019B960494DF}">
-              <a14:hiddenLine xmlns:a14="http://schemas.microsoft.com/office/drawing/2010/main" w="12700" cap="flat" cmpd="sng" algn="ctr">
-                <a:solidFill>
-                  <a:schemeClr val="accent1">
-                    <a:shade val="50000"/>
-                  </a:schemeClr>
-                </a:solidFill>
-                <a:prstDash val="solid"/>
-                <a:miter lim="800000"/>
-              </a14:hiddenLine>
-            </a:ext>
-          </a:extLst>
         </p:spPr>
         <p:style>
           <a:lnRef idx="2">
@@ -7989,6 +8004,94 @@
           </a:p>
         </p:txBody>
       </p:sp>
+      <p:sp>
+        <p:nvSpPr>
+          <p:cNvPr id="2" name="Title 1">
+            <a:extLst>
+              <a:ext uri="{FF2B5EF4-FFF2-40B4-BE49-F238E27FC236}">
+                <a16:creationId xmlns:a16="http://schemas.microsoft.com/office/drawing/2014/main" id="{7D2B3FAA-0244-477E-9AF2-DA1D10DE5A7B}"/>
+              </a:ext>
+            </a:extLst>
+          </p:cNvPr>
+          <p:cNvSpPr>
+            <a:spLocks noGrp="1"/>
+          </p:cNvSpPr>
+          <p:nvPr>
+            <p:ph type="title"/>
+          </p:nvPr>
+        </p:nvSpPr>
+        <p:spPr>
+          <a:xfrm>
+            <a:off x="1143000" y="872937"/>
+            <a:ext cx="7810169" cy="1360898"/>
+          </a:xfrm>
+        </p:spPr>
+        <p:txBody>
+          <a:bodyPr>
+            <a:normAutofit/>
+          </a:bodyPr>
+          <a:lstStyle/>
+          <a:p>
+            <a:pPr algn="ctr"/>
+            <a:r>
+              <a:rPr lang="en-GB" dirty="0"/>
+              <a:t>Thank You</a:t>
+            </a:r>
+            <a:endParaRPr lang="en-GB"/>
+          </a:p>
+        </p:txBody>
+      </p:sp>
+      <p:sp>
+        <p:nvSpPr>
+          <p:cNvPr id="3" name="Content Placeholder 2">
+            <a:extLst>
+              <a:ext uri="{FF2B5EF4-FFF2-40B4-BE49-F238E27FC236}">
+                <a16:creationId xmlns:a16="http://schemas.microsoft.com/office/drawing/2014/main" id="{FEEF5F80-8A91-40B0-A2BD-33AA0182830C}"/>
+              </a:ext>
+            </a:extLst>
+          </p:cNvPr>
+          <p:cNvSpPr>
+            <a:spLocks noGrp="1"/>
+          </p:cNvSpPr>
+          <p:nvPr>
+            <p:ph idx="1"/>
+          </p:nvPr>
+        </p:nvSpPr>
+        <p:spPr>
+          <a:xfrm>
+            <a:off x="1142999" y="2332029"/>
+            <a:ext cx="5435302" cy="3382972"/>
+          </a:xfrm>
+        </p:spPr>
+        <p:txBody>
+          <a:bodyPr>
+            <a:normAutofit/>
+          </a:bodyPr>
+          <a:lstStyle/>
+          <a:p>
+            <a:r>
+              <a:rPr lang="en-GB" dirty="0"/>
+              <a:t>Instructor: Aqeeb Hussain</a:t>
+            </a:r>
+          </a:p>
+          <a:p>
+            <a:r>
+              <a:rPr lang="en-GB" dirty="0"/>
+              <a:t>GitHub: </a:t>
+            </a:r>
+            <a:r>
+              <a:rPr lang="en-GB" dirty="0">
+                <a:hlinkClick r:id="rId2"/>
+              </a:rPr>
+              <a:t>https://github.com/aqeebhussain122/hpc-offensive-security</a:t>
+            </a:r>
+            <a:r>
+              <a:rPr lang="en-GB" dirty="0"/>
+              <a:t> </a:t>
+            </a:r>
+          </a:p>
+        </p:txBody>
+      </p:sp>
       <p:pic>
         <p:nvPicPr>
           <p:cNvPr id="14" name="Picture 13" descr="Pin on a map">
@@ -8004,14 +8107,16 @@
           <p:nvPr/>
         </p:nvPicPr>
         <p:blipFill rotWithShape="1">
-          <a:blip r:embed="rId2"/>
-          <a:srcRect r="-2" b="1758"/>
+          <a:blip r:embed="rId3">
+            <a:alphaModFix/>
+          </a:blip>
+          <a:srcRect l="13222" r="13220" b="-1"/>
           <a:stretch/>
         </p:blipFill>
         <p:spPr>
           <a:xfrm>
-            <a:off x="866911" y="10"/>
-            <a:ext cx="10458178" cy="6857990"/>
+            <a:off x="4634621" y="10"/>
+            <a:ext cx="7557379" cy="6857990"/>
           </a:xfrm>
           <a:custGeom>
             <a:avLst/>
@@ -8020,30 +8125,33 @@
             <a:cxnLst/>
             <a:rect l="l" t="t" r="r" b="b"/>
             <a:pathLst>
-              <a:path w="10458178" h="6858000">
+              <a:path w="7557379" h="6858000">
                 <a:moveTo>
-                  <a:pt x="6010593" y="0"/>
+                  <a:pt x="62130" y="0"/>
                 </a:moveTo>
                 <a:lnTo>
-                  <a:pt x="8228844" y="0"/>
-                </a:lnTo>
-                <a:lnTo>
-                  <a:pt x="8239927" y="0"/>
-                </a:lnTo>
-                <a:lnTo>
-                  <a:pt x="10458178" y="0"/>
-                </a:lnTo>
-                <a:lnTo>
-                  <a:pt x="4447586" y="6858000"/>
-                </a:lnTo>
-                <a:lnTo>
-                  <a:pt x="2229335" y="6858000"/>
-                </a:lnTo>
-                <a:lnTo>
-                  <a:pt x="2218251" y="6858000"/>
+                  <a:pt x="7557379" y="0"/>
+                </a:lnTo>
+                <a:lnTo>
+                  <a:pt x="7557379" y="6858000"/>
                 </a:lnTo>
                 <a:lnTo>
                   <a:pt x="0" y="6858000"/>
+                </a:lnTo>
+                <a:lnTo>
+                  <a:pt x="0" y="6857999"/>
+                </a:lnTo>
+                <a:lnTo>
+                  <a:pt x="736812" y="6857999"/>
+                </a:lnTo>
+                <a:lnTo>
+                  <a:pt x="6722464" y="3"/>
+                </a:lnTo>
+                <a:lnTo>
+                  <a:pt x="7041779" y="1"/>
+                </a:lnTo>
+                <a:lnTo>
+                  <a:pt x="62130" y="1"/>
                 </a:lnTo>
                 <a:close/>
               </a:path>
@@ -8053,46 +8161,10 @@
       </p:pic>
       <p:sp>
         <p:nvSpPr>
-          <p:cNvPr id="2" name="Title 1">
-            <a:extLst>
-              <a:ext uri="{FF2B5EF4-FFF2-40B4-BE49-F238E27FC236}">
-                <a16:creationId xmlns:a16="http://schemas.microsoft.com/office/drawing/2014/main" id="{7D2B3FAA-0244-477E-9AF2-DA1D10DE5A7B}"/>
-              </a:ext>
-            </a:extLst>
-          </p:cNvPr>
-          <p:cNvSpPr>
-            <a:spLocks noGrp="1"/>
-          </p:cNvSpPr>
-          <p:nvPr>
-            <p:ph type="title"/>
-          </p:nvPr>
-        </p:nvSpPr>
-        <p:spPr>
-          <a:xfrm>
-            <a:off x="1143000" y="1203678"/>
-            <a:ext cx="3876793" cy="1799581"/>
-          </a:xfrm>
-        </p:spPr>
-        <p:txBody>
-          <a:bodyPr anchor="t">
-            <a:normAutofit/>
-          </a:bodyPr>
-          <a:lstStyle/>
-          <a:p>
-            <a:r>
-              <a:rPr lang="en-GB" dirty="0"/>
-              <a:t>Thank You</a:t>
-            </a:r>
-            <a:endParaRPr lang="en-GB"/>
-          </a:p>
-        </p:txBody>
-      </p:sp>
-      <p:sp>
-        <p:nvSpPr>
-          <p:cNvPr id="20" name="Freeform: Shape 19">
-            <a:extLst>
-              <a:ext uri="{FF2B5EF4-FFF2-40B4-BE49-F238E27FC236}">
-                <a16:creationId xmlns:a16="http://schemas.microsoft.com/office/drawing/2014/main" id="{046353B2-C54A-470C-8F7B-7471894E23BD}"/>
+          <p:cNvPr id="27" name="Freeform: Shape 26">
+            <a:extLst>
+              <a:ext uri="{FF2B5EF4-FFF2-40B4-BE49-F238E27FC236}">
+                <a16:creationId xmlns:a16="http://schemas.microsoft.com/office/drawing/2014/main" id="{6D6B3702-19B7-471C-974D-4A163151E0E5}"/>
               </a:ext>
               <a:ext uri="{C183D7F6-B498-43B3-948B-1728B52AA6E4}">
                 <adec:decorative xmlns:adec="http://schemas.microsoft.com/office/drawing/2017/decorative" val="1"/>
@@ -8111,25 +8183,95 @@
           </p:nvPr>
         </p:nvSpPr>
         <p:spPr>
-          <a:xfrm rot="10800000">
-            <a:off x="5306675" y="0"/>
-            <a:ext cx="6885325" cy="6858000"/>
+          <a:xfrm>
+            <a:off x="5376547" y="0"/>
+            <a:ext cx="6812757" cy="6858000"/>
           </a:xfrm>
           <a:custGeom>
             <a:avLst/>
             <a:gdLst>
-              <a:gd name="connsiteX0" fmla="*/ 0 w 6885325"/>
+              <a:gd name="connsiteX0" fmla="*/ 6010592 w 6899617"/>
               <a:gd name="connsiteY0" fmla="*/ 0 h 6858000"/>
-              <a:gd name="connsiteX1" fmla="*/ 6885325 w 6885325"/>
+              <a:gd name="connsiteX1" fmla="*/ 6899617 w 6899617"/>
               <a:gd name="connsiteY1" fmla="*/ 0 h 6858000"/>
-              <a:gd name="connsiteX2" fmla="*/ 6885323 w 6885325"/>
-              <a:gd name="connsiteY2" fmla="*/ 2 h 6858000"/>
-              <a:gd name="connsiteX3" fmla="*/ 6885322 w 6885325"/>
-              <a:gd name="connsiteY3" fmla="*/ 4 h 6858000"/>
-              <a:gd name="connsiteX4" fmla="*/ 874733 w 6885325"/>
+              <a:gd name="connsiteX2" fmla="*/ 6899617 w 6899617"/>
+              <a:gd name="connsiteY2" fmla="*/ 1529274 h 6858000"/>
+              <a:gd name="connsiteX3" fmla="*/ 2229334 w 6899617"/>
+              <a:gd name="connsiteY3" fmla="*/ 6858000 h 6858000"/>
+              <a:gd name="connsiteX4" fmla="*/ 0 w 6899617"/>
               <a:gd name="connsiteY4" fmla="*/ 6858000 h 6858000"/>
-              <a:gd name="connsiteX5" fmla="*/ 0 w 6885325"/>
-              <a:gd name="connsiteY5" fmla="*/ 6858000 h 6858000"/>
+              <a:gd name="connsiteX0" fmla="*/ 5966258 w 6855283"/>
+              <a:gd name="connsiteY0" fmla="*/ 0 h 6858000"/>
+              <a:gd name="connsiteX1" fmla="*/ 6855283 w 6855283"/>
+              <a:gd name="connsiteY1" fmla="*/ 0 h 6858000"/>
+              <a:gd name="connsiteX2" fmla="*/ 6855283 w 6855283"/>
+              <a:gd name="connsiteY2" fmla="*/ 1529274 h 6858000"/>
+              <a:gd name="connsiteX3" fmla="*/ 2185000 w 6855283"/>
+              <a:gd name="connsiteY3" fmla="*/ 6858000 h 6858000"/>
+              <a:gd name="connsiteX4" fmla="*/ 0 w 6855283"/>
+              <a:gd name="connsiteY4" fmla="*/ 6858000 h 6858000"/>
+              <a:gd name="connsiteX5" fmla="*/ 5966258 w 6855283"/>
+              <a:gd name="connsiteY5" fmla="*/ 0 h 6858000"/>
+              <a:gd name="connsiteX0" fmla="*/ 5966258 w 6855283"/>
+              <a:gd name="connsiteY0" fmla="*/ 0 h 6858000"/>
+              <a:gd name="connsiteX1" fmla="*/ 6810948 w 6855283"/>
+              <a:gd name="connsiteY1" fmla="*/ 0 h 6858000"/>
+              <a:gd name="connsiteX2" fmla="*/ 6855283 w 6855283"/>
+              <a:gd name="connsiteY2" fmla="*/ 1529274 h 6858000"/>
+              <a:gd name="connsiteX3" fmla="*/ 2185000 w 6855283"/>
+              <a:gd name="connsiteY3" fmla="*/ 6858000 h 6858000"/>
+              <a:gd name="connsiteX4" fmla="*/ 0 w 6855283"/>
+              <a:gd name="connsiteY4" fmla="*/ 6858000 h 6858000"/>
+              <a:gd name="connsiteX5" fmla="*/ 5966258 w 6855283"/>
+              <a:gd name="connsiteY5" fmla="*/ 0 h 6858000"/>
+              <a:gd name="connsiteX0" fmla="*/ 5966258 w 6810948"/>
+              <a:gd name="connsiteY0" fmla="*/ 0 h 6858000"/>
+              <a:gd name="connsiteX1" fmla="*/ 6810948 w 6810948"/>
+              <a:gd name="connsiteY1" fmla="*/ 0 h 6858000"/>
+              <a:gd name="connsiteX2" fmla="*/ 6799865 w 6810948"/>
+              <a:gd name="connsiteY2" fmla="*/ 1562525 h 6858000"/>
+              <a:gd name="connsiteX3" fmla="*/ 2185000 w 6810948"/>
+              <a:gd name="connsiteY3" fmla="*/ 6858000 h 6858000"/>
+              <a:gd name="connsiteX4" fmla="*/ 0 w 6810948"/>
+              <a:gd name="connsiteY4" fmla="*/ 6858000 h 6858000"/>
+              <a:gd name="connsiteX5" fmla="*/ 5966258 w 6810948"/>
+              <a:gd name="connsiteY5" fmla="*/ 0 h 6858000"/>
+              <a:gd name="connsiteX0" fmla="*/ 5966258 w 6810948"/>
+              <a:gd name="connsiteY0" fmla="*/ 0 h 6858000"/>
+              <a:gd name="connsiteX1" fmla="*/ 6810948 w 6810948"/>
+              <a:gd name="connsiteY1" fmla="*/ 0 h 6858000"/>
+              <a:gd name="connsiteX2" fmla="*/ 6799865 w 6810948"/>
+              <a:gd name="connsiteY2" fmla="*/ 1551442 h 6858000"/>
+              <a:gd name="connsiteX3" fmla="*/ 2185000 w 6810948"/>
+              <a:gd name="connsiteY3" fmla="*/ 6858000 h 6858000"/>
+              <a:gd name="connsiteX4" fmla="*/ 0 w 6810948"/>
+              <a:gd name="connsiteY4" fmla="*/ 6858000 h 6858000"/>
+              <a:gd name="connsiteX5" fmla="*/ 5966258 w 6810948"/>
+              <a:gd name="connsiteY5" fmla="*/ 0 h 6858000"/>
+              <a:gd name="connsiteX0" fmla="*/ 5966258 w 6812757"/>
+              <a:gd name="connsiteY0" fmla="*/ 0 h 6858000"/>
+              <a:gd name="connsiteX1" fmla="*/ 6810948 w 6812757"/>
+              <a:gd name="connsiteY1" fmla="*/ 0 h 6858000"/>
+              <a:gd name="connsiteX2" fmla="*/ 6811779 w 6812757"/>
+              <a:gd name="connsiteY2" fmla="*/ 1527614 h 6858000"/>
+              <a:gd name="connsiteX3" fmla="*/ 2185000 w 6812757"/>
+              <a:gd name="connsiteY3" fmla="*/ 6858000 h 6858000"/>
+              <a:gd name="connsiteX4" fmla="*/ 0 w 6812757"/>
+              <a:gd name="connsiteY4" fmla="*/ 6858000 h 6858000"/>
+              <a:gd name="connsiteX5" fmla="*/ 5966258 w 6812757"/>
+              <a:gd name="connsiteY5" fmla="*/ 0 h 6858000"/>
+              <a:gd name="connsiteX0" fmla="*/ 5966258 w 6812757"/>
+              <a:gd name="connsiteY0" fmla="*/ 0 h 6858000"/>
+              <a:gd name="connsiteX1" fmla="*/ 6810948 w 6812757"/>
+              <a:gd name="connsiteY1" fmla="*/ 0 h 6858000"/>
+              <a:gd name="connsiteX2" fmla="*/ 6811779 w 6812757"/>
+              <a:gd name="connsiteY2" fmla="*/ 1527614 h 6858000"/>
+              <a:gd name="connsiteX3" fmla="*/ 2185000 w 6812757"/>
+              <a:gd name="connsiteY3" fmla="*/ 6858000 h 6858000"/>
+              <a:gd name="connsiteX4" fmla="*/ 0 w 6812757"/>
+              <a:gd name="connsiteY4" fmla="*/ 6858000 h 6858000"/>
+              <a:gd name="connsiteX5" fmla="*/ 5966258 w 6812757"/>
+              <a:gd name="connsiteY5" fmla="*/ 0 h 6858000"/>
             </a:gdLst>
             <a:ahLst/>
             <a:cxnLst>
@@ -8154,33 +8296,35 @@
             </a:cxnLst>
             <a:rect l="l" t="t" r="r" b="b"/>
             <a:pathLst>
-              <a:path w="6885325" h="6858000">
+              <a:path w="6812757" h="6858000">
                 <a:moveTo>
-                  <a:pt x="0" y="0"/>
+                  <a:pt x="5966258" y="0"/>
                 </a:moveTo>
                 <a:lnTo>
-                  <a:pt x="6885325" y="0"/>
-                </a:lnTo>
-                <a:lnTo>
-                  <a:pt x="6885323" y="2"/>
+                  <a:pt x="6810948" y="0"/>
                 </a:lnTo>
                 <a:cubicBezTo>
-                  <a:pt x="6885323" y="3"/>
-                  <a:pt x="6885322" y="3"/>
-                  <a:pt x="6885322" y="4"/>
+                  <a:pt x="6807254" y="520842"/>
+                  <a:pt x="6815473" y="1006772"/>
+                  <a:pt x="6811779" y="1527614"/>
                 </a:cubicBezTo>
                 <a:lnTo>
-                  <a:pt x="874733" y="6858000"/>
+                  <a:pt x="2185000" y="6858000"/>
                 </a:lnTo>
                 <a:lnTo>
                   <a:pt x="0" y="6858000"/>
+                </a:lnTo>
+                <a:lnTo>
+                  <a:pt x="5966258" y="0"/>
                 </a:lnTo>
                 <a:close/>
               </a:path>
             </a:pathLst>
           </a:custGeom>
           <a:solidFill>
-            <a:schemeClr val="bg2"/>
+            <a:schemeClr val="bg2">
+              <a:alpha val="60000"/>
+            </a:schemeClr>
           </a:solidFill>
           <a:ln w="12700" cap="flat" cmpd="sng" algn="ctr">
             <a:noFill/>
@@ -8206,7 +8350,9 @@
           </a:fontRef>
         </p:style>
         <p:txBody>
-          <a:bodyPr rtlCol="0" anchor="ctr"/>
+          <a:bodyPr wrap="square" rtlCol="0" anchor="ctr">
+            <a:noAutofit/>
+          </a:bodyPr>
           <a:lstStyle/>
           <a:p>
             <a:pPr algn="ctr"/>
@@ -8214,59 +8360,58 @@
           </a:p>
         </p:txBody>
       </p:sp>
-      <p:sp>
-        <p:nvSpPr>
-          <p:cNvPr id="3" name="Content Placeholder 2">
-            <a:extLst>
-              <a:ext uri="{FF2B5EF4-FFF2-40B4-BE49-F238E27FC236}">
-                <a16:creationId xmlns:a16="http://schemas.microsoft.com/office/drawing/2014/main" id="{FEEF5F80-8A91-40B0-A2BD-33AA0182830C}"/>
-              </a:ext>
-            </a:extLst>
-          </p:cNvPr>
-          <p:cNvSpPr>
-            <a:spLocks noGrp="1"/>
-          </p:cNvSpPr>
-          <p:nvPr>
-            <p:ph idx="1"/>
-          </p:nvPr>
-        </p:nvSpPr>
+      <p:cxnSp>
+        <p:nvCxnSpPr>
+          <p:cNvPr id="29" name="Straight Connector 28">
+            <a:extLst>
+              <a:ext uri="{FF2B5EF4-FFF2-40B4-BE49-F238E27FC236}">
+                <a16:creationId xmlns:a16="http://schemas.microsoft.com/office/drawing/2014/main" id="{50D86B0D-0E25-49AC-8123-2522E0A7692D}"/>
+              </a:ext>
+              <a:ext uri="{C183D7F6-B498-43B3-948B-1728B52AA6E4}">
+                <adec:decorative xmlns:adec="http://schemas.microsoft.com/office/drawing/2017/decorative" val="1"/>
+              </a:ext>
+            </a:extLst>
+          </p:cNvPr>
+          <p:cNvCxnSpPr>
+            <a:cxnSpLocks noGrp="1" noRot="1" noChangeAspect="1" noMove="1" noResize="1" noEditPoints="1" noAdjustHandles="1" noChangeArrowheads="1" noChangeShapeType="1"/>
+          </p:cNvCxnSpPr>
+          <p:nvPr>
+            <p:extLst>
+              <p:ext uri="{386F3935-93C4-4BCD-93E2-E3B085C9AB24}">
+                <p16:designElem xmlns:p16="http://schemas.microsoft.com/office/powerpoint/2015/main" val="1"/>
+              </p:ext>
+            </p:extLst>
+          </p:nvPr>
+        </p:nvCxnSpPr>
         <p:spPr>
           <a:xfrm>
-            <a:off x="5929746" y="3429000"/>
-            <a:ext cx="6096000" cy="2743199"/>
+            <a:off x="1233837" y="6172200"/>
+            <a:ext cx="9760638" cy="0"/>
           </a:xfrm>
+          <a:prstGeom prst="line">
+            <a:avLst/>
+          </a:prstGeom>
+          <a:ln w="12700">
+            <a:solidFill>
+              <a:schemeClr val="tx1"/>
+            </a:solidFill>
+          </a:ln>
         </p:spPr>
-        <p:txBody>
-          <a:bodyPr anchor="b">
-            <a:normAutofit/>
-          </a:bodyPr>
-          <a:lstStyle/>
-          <a:p>
-            <a:pPr algn="ctr"/>
-            <a:r>
-              <a:rPr lang="en-GB" dirty="0"/>
-              <a:t>Instructor: Aqeeb Hussain</a:t>
-            </a:r>
-          </a:p>
-          <a:p>
-            <a:pPr algn="ctr"/>
-            <a:r>
-              <a:rPr lang="en-GB" dirty="0"/>
-              <a:t>GitHub: </a:t>
-            </a:r>
-            <a:r>
-              <a:rPr lang="en-GB" dirty="0">
-                <a:hlinkClick r:id="rId3"/>
-              </a:rPr>
-              <a:t>https://github.com/aqeebhussain122/portninja</a:t>
-            </a:r>
-            <a:r>
-              <a:rPr lang="en-GB" dirty="0"/>
-              <a:t> </a:t>
-            </a:r>
-          </a:p>
-        </p:txBody>
-      </p:sp>
+        <p:style>
+          <a:lnRef idx="1">
+            <a:schemeClr val="accent1"/>
+          </a:lnRef>
+          <a:fillRef idx="0">
+            <a:schemeClr val="accent1"/>
+          </a:fillRef>
+          <a:effectRef idx="0">
+            <a:schemeClr val="accent1"/>
+          </a:effectRef>
+          <a:fontRef idx="minor">
+            <a:schemeClr val="tx1"/>
+          </a:fontRef>
+        </p:style>
+      </p:cxnSp>
     </p:spTree>
     <p:extLst>
       <p:ext uri="{BB962C8B-B14F-4D97-AF65-F5344CB8AC3E}">
